--- a/project2-3-northwind/SQL Project Submission Template.pptx
+++ b/project2-3-northwind/SQL Project Submission Template.pptx
@@ -227,6 +227,11 @@
       </a:defRPr>
     </a:lvl9pPr>
   </p:defaultTextStyle>
+  <p:extLst>
+    <p:ext uri="{EFAFB233-063F-42B5-8137-9DF3F51BA10A}">
+      <p15:sldGuideLst xmlns:p15="http://schemas.microsoft.com/office/powerpoint/2012/main"/>
+    </p:ext>
+  </p:extLst>
 </p:presentation>
 </file>
 
@@ -5432,17 +5437,20 @@
                 <a:cs typeface="Open Sans"/>
                 <a:sym typeface="Open Sans"/>
               </a:rPr>
-              <a:t>The total number of orders for each type (represented by customer title) of customers</a:t>
+              <a:t>The total number of orders for each type (represented by customer title) of customers.</a:t>
             </a:r>
           </a:p>
           <a:p>
             <a:pPr lvl="0"/>
-            <a:endParaRPr lang="en-US" dirty="0">
-              <a:latin typeface="Open Sans"/>
-              <a:ea typeface="Open Sans"/>
-              <a:cs typeface="Open Sans"/>
-              <a:sym typeface="Open Sans"/>
-            </a:endParaRPr>
+            <a:r>
+              <a:rPr lang="en-US" dirty="0">
+                <a:latin typeface="Open Sans"/>
+                <a:ea typeface="Open Sans"/>
+                <a:cs typeface="Open Sans"/>
+                <a:sym typeface="Open Sans"/>
+              </a:rPr>
+              <a:t>This can help the company to allocate time and resource more efficiently based on client company representative type.</a:t>
+            </a:r>
           </a:p>
           <a:p>
             <a:pPr lvl="0"/>
@@ -5545,17 +5553,38 @@
                 <a:cs typeface="Open Sans"/>
                 <a:sym typeface="Open Sans"/>
               </a:rPr>
-              <a:t>  Figure 1</a:t>
-            </a:r>
+              <a:t> </a:t>
+            </a:r>
+            <a:r>
+              <a:rPr lang="en-US" dirty="0">
+                <a:solidFill>
+                  <a:srgbClr val="FFFFFF"/>
+                </a:solidFill>
+                <a:latin typeface="Open Sans"/>
+                <a:ea typeface="Open Sans"/>
+                <a:cs typeface="Open Sans"/>
+                <a:sym typeface="Open Sans"/>
+              </a:rPr>
+              <a:t>Number of Orders for Each Type of Customers</a:t>
+            </a:r>
+            <a:endParaRPr lang="en" dirty="0">
+              <a:solidFill>
+                <a:srgbClr val="FFFFFF"/>
+              </a:solidFill>
+              <a:latin typeface="Open Sans"/>
+              <a:ea typeface="Open Sans"/>
+              <a:cs typeface="Open Sans"/>
+              <a:sym typeface="Open Sans"/>
+            </a:endParaRPr>
           </a:p>
         </p:txBody>
       </p:sp>
       <p:pic>
         <p:nvPicPr>
-          <p:cNvPr id="3" name="Picture 2">
+          <p:cNvPr id="4" name="Picture 3">
             <a:extLst>
               <a:ext uri="{FF2B5EF4-FFF2-40B4-BE49-F238E27FC236}">
-                <a16:creationId xmlns:a16="http://schemas.microsoft.com/office/drawing/2014/main" id="{40237D30-E228-4A64-955D-16588BA697B7}"/>
+                <a16:creationId xmlns:a16="http://schemas.microsoft.com/office/drawing/2014/main" id="{FB1DE151-2BDA-4B03-9CD0-4EF566E98EE2}"/>
               </a:ext>
             </a:extLst>
           </p:cNvPr>
@@ -5650,7 +5679,19 @@
                 <a:cs typeface="Open Sans"/>
                 <a:sym typeface="Open Sans"/>
               </a:rPr>
-              <a:t>The top customers ordered by total number of orders in 2015 (only those having &gt; 6 orders are shown) </a:t>
+              <a:t>The top customers ordered by total number of orders in 2015 (only those having &gt; 6 orders are shown).</a:t>
+            </a:r>
+          </a:p>
+          <a:p>
+            <a:pPr lvl="0"/>
+            <a:r>
+              <a:rPr lang="en-US" dirty="0">
+                <a:latin typeface="Open Sans"/>
+                <a:ea typeface="Open Sans"/>
+                <a:cs typeface="Open Sans"/>
+                <a:sym typeface="Open Sans"/>
+              </a:rPr>
+              <a:t>This indicates the most active companies in the year 2015.</a:t>
             </a:r>
           </a:p>
           <a:p>
@@ -5763,17 +5804,38 @@
                 <a:cs typeface="Open Sans"/>
                 <a:sym typeface="Open Sans"/>
               </a:rPr>
-              <a:t>  Figure 2</a:t>
-            </a:r>
+              <a:t>  Number of Orders for Each Comp</a:t>
+            </a:r>
+            <a:r>
+              <a:rPr lang="en-US" dirty="0">
+                <a:solidFill>
+                  <a:srgbClr val="FFFFFF"/>
+                </a:solidFill>
+                <a:latin typeface="Open Sans"/>
+                <a:ea typeface="Open Sans"/>
+                <a:cs typeface="Open Sans"/>
+                <a:sym typeface="Open Sans"/>
+              </a:rPr>
+              <a:t>any in 2015</a:t>
+            </a:r>
+            <a:endParaRPr lang="en" dirty="0">
+              <a:solidFill>
+                <a:srgbClr val="FFFFFF"/>
+              </a:solidFill>
+              <a:latin typeface="Open Sans"/>
+              <a:ea typeface="Open Sans"/>
+              <a:cs typeface="Open Sans"/>
+              <a:sym typeface="Open Sans"/>
+            </a:endParaRPr>
           </a:p>
         </p:txBody>
       </p:sp>
       <p:pic>
         <p:nvPicPr>
-          <p:cNvPr id="3" name="Picture 2">
+          <p:cNvPr id="4" name="Picture 3">
             <a:extLst>
               <a:ext uri="{FF2B5EF4-FFF2-40B4-BE49-F238E27FC236}">
-                <a16:creationId xmlns:a16="http://schemas.microsoft.com/office/drawing/2014/main" id="{AC0C19DB-A54B-41D4-A36C-907E5582FEC0}"/>
+                <a16:creationId xmlns:a16="http://schemas.microsoft.com/office/drawing/2014/main" id="{1FADB2CB-AFDB-43B8-97ED-2E16936E3EFD}"/>
               </a:ext>
             </a:extLst>
           </p:cNvPr>
@@ -5790,8 +5852,8 @@
         </p:blipFill>
         <p:spPr>
           <a:xfrm>
-            <a:off x="354300" y="1418449"/>
-            <a:ext cx="4550700" cy="3072601"/>
+            <a:off x="354301" y="1418450"/>
+            <a:ext cx="4550700" cy="3073821"/>
           </a:xfrm>
           <a:prstGeom prst="rect">
             <a:avLst/>
@@ -5868,17 +5930,20 @@
                 <a:cs typeface="Open Sans"/>
                 <a:sym typeface="Open Sans"/>
               </a:rPr>
-              <a:t>The top 10 customers with largest  total sales in all years</a:t>
+              <a:t>The top 10 customers with largest  total sales in all years.</a:t>
             </a:r>
           </a:p>
           <a:p>
             <a:pPr lvl="0"/>
-            <a:endParaRPr lang="en-US" dirty="0">
-              <a:latin typeface="Open Sans"/>
-              <a:ea typeface="Open Sans"/>
-              <a:cs typeface="Open Sans"/>
-              <a:sym typeface="Open Sans"/>
-            </a:endParaRPr>
+            <a:r>
+              <a:rPr lang="en-US" dirty="0">
+                <a:latin typeface="Open Sans"/>
+                <a:ea typeface="Open Sans"/>
+                <a:cs typeface="Open Sans"/>
+                <a:sym typeface="Open Sans"/>
+              </a:rPr>
+              <a:t>This can help the company to focus on those making the largest sales.</a:t>
+            </a:r>
           </a:p>
           <a:p>
             <a:pPr lvl="0"/>
@@ -5981,17 +6046,38 @@
                 <a:cs typeface="Open Sans"/>
                 <a:sym typeface="Open Sans"/>
               </a:rPr>
-              <a:t>  Figure 3</a:t>
-            </a:r>
+              <a:t> </a:t>
+            </a:r>
+            <a:r>
+              <a:rPr lang="en-US" dirty="0">
+                <a:solidFill>
+                  <a:srgbClr val="FFFFFF"/>
+                </a:solidFill>
+                <a:latin typeface="Open Sans"/>
+                <a:ea typeface="Open Sans"/>
+                <a:cs typeface="Open Sans"/>
+                <a:sym typeface="Open Sans"/>
+              </a:rPr>
+              <a:t>Total Sale for Each Company</a:t>
+            </a:r>
+            <a:endParaRPr lang="en" dirty="0">
+              <a:solidFill>
+                <a:srgbClr val="FFFFFF"/>
+              </a:solidFill>
+              <a:latin typeface="Open Sans"/>
+              <a:ea typeface="Open Sans"/>
+              <a:cs typeface="Open Sans"/>
+              <a:sym typeface="Open Sans"/>
+            </a:endParaRPr>
           </a:p>
         </p:txBody>
       </p:sp>
       <p:pic>
         <p:nvPicPr>
-          <p:cNvPr id="3" name="Picture 2">
+          <p:cNvPr id="4" name="Picture 3">
             <a:extLst>
               <a:ext uri="{FF2B5EF4-FFF2-40B4-BE49-F238E27FC236}">
-                <a16:creationId xmlns:a16="http://schemas.microsoft.com/office/drawing/2014/main" id="{0D9F90EE-A497-4D64-870B-5D250CEE869B}"/>
+                <a16:creationId xmlns:a16="http://schemas.microsoft.com/office/drawing/2014/main" id="{82D58DB9-ADEA-4DFD-AC89-EE7B25C6C53F}"/>
               </a:ext>
             </a:extLst>
           </p:cNvPr>
@@ -6086,7 +6172,19 @@
                 <a:cs typeface="Open Sans"/>
                 <a:sym typeface="Open Sans"/>
               </a:rPr>
-              <a:t>The highest total sale by companies in categories of products are occupied by three companies. Each circle represents one category, sizes represent total sales.</a:t>
+              <a:t>The highest total sale by companies in categories of products are occupied by three companies. </a:t>
+            </a:r>
+          </a:p>
+          <a:p>
+            <a:pPr lvl="0"/>
+            <a:r>
+              <a:rPr lang="en-US" dirty="0">
+                <a:latin typeface="Open Sans"/>
+                <a:ea typeface="Open Sans"/>
+                <a:cs typeface="Open Sans"/>
+                <a:sym typeface="Open Sans"/>
+              </a:rPr>
+              <a:t>It also shows the Beverages category contributes the most for the total sale.</a:t>
             </a:r>
           </a:p>
           <a:p>
@@ -6199,17 +6297,17 @@
                 <a:cs typeface="Open Sans"/>
                 <a:sym typeface="Open Sans"/>
               </a:rPr>
-              <a:t>  Figure 4</a:t>
+              <a:t>Top Company in Each Category of Products</a:t>
             </a:r>
           </a:p>
         </p:txBody>
       </p:sp>
       <p:pic>
         <p:nvPicPr>
-          <p:cNvPr id="3" name="Picture 2">
+          <p:cNvPr id="4" name="Picture 3">
             <a:extLst>
               <a:ext uri="{FF2B5EF4-FFF2-40B4-BE49-F238E27FC236}">
-                <a16:creationId xmlns:a16="http://schemas.microsoft.com/office/drawing/2014/main" id="{2113BA05-1554-41F6-A6F5-ECAF09330F29}"/>
+                <a16:creationId xmlns:a16="http://schemas.microsoft.com/office/drawing/2014/main" id="{F292C4F1-E6B6-45EE-9D1F-7CA8B0EA726E}"/>
               </a:ext>
             </a:extLst>
           </p:cNvPr>
@@ -6226,8 +6324,8 @@
         </p:blipFill>
         <p:spPr>
           <a:xfrm>
-            <a:off x="354301" y="1418451"/>
-            <a:ext cx="4550700" cy="3072599"/>
+            <a:off x="354300" y="1418450"/>
+            <a:ext cx="4550700" cy="3072600"/>
           </a:xfrm>
           <a:prstGeom prst="rect">
             <a:avLst/>
